--- a/OOAD.pptx
+++ b/OOAD.pptx
@@ -5,7 +5,7 @@
     <p:sldMasterId id="2147483648" r:id="rId1"/>
   </p:sldMasterIdLst>
   <p:notesMasterIdLst>
-    <p:notesMasterId r:id="rId14"/>
+    <p:notesMasterId r:id="rId22"/>
   </p:notesMasterIdLst>
   <p:sldIdLst>
     <p:sldId id="256" r:id="rId2"/>
@@ -20,6 +20,14 @@
     <p:sldId id="287" r:id="rId11"/>
     <p:sldId id="288" r:id="rId12"/>
     <p:sldId id="289" r:id="rId13"/>
+    <p:sldId id="290" r:id="rId14"/>
+    <p:sldId id="291" r:id="rId15"/>
+    <p:sldId id="292" r:id="rId16"/>
+    <p:sldId id="293" r:id="rId17"/>
+    <p:sldId id="294" r:id="rId18"/>
+    <p:sldId id="295" r:id="rId19"/>
+    <p:sldId id="296" r:id="rId20"/>
+    <p:sldId id="297" r:id="rId21"/>
   </p:sldIdLst>
   <p:sldSz cx="9144000" cy="6858000" type="screen4x3"/>
   <p:notesSz cx="6858000" cy="9144000"/>
@@ -316,7 +324,7 @@
         <p:nvSpPr>
           <p:cNvPr id="81924" name="Rectangle 4"/>
           <p:cNvSpPr>
-            <a:spLocks noRot="1" noChangeArrowheads="1" noTextEdit="1"/>
+            <a:spLocks noGrp="1" noRot="1" noChangeAspect="1" noChangeArrowheads="1" noTextEdit="1"/>
           </p:cNvSpPr>
           <p:nvPr>
             <p:ph type="sldImg" idx="2"/>
@@ -773,7 +781,7 @@
         <p:nvSpPr>
           <p:cNvPr id="107522" name="Rectangle 2"/>
           <p:cNvSpPr>
-            <a:spLocks noRot="1" noChangeArrowheads="1" noTextEdit="1"/>
+            <a:spLocks noGrp="1" noRot="1" noChangeAspect="1" noChangeArrowheads="1" noTextEdit="1"/>
           </p:cNvSpPr>
           <p:nvPr>
             <p:ph type="sldImg"/>
@@ -857,7 +865,7 @@
         <p:nvSpPr>
           <p:cNvPr id="110594" name="Rectangle 2"/>
           <p:cNvSpPr>
-            <a:spLocks noRot="1" noChangeArrowheads="1" noTextEdit="1"/>
+            <a:spLocks noGrp="1" noRot="1" noChangeAspect="1" noChangeArrowheads="1" noTextEdit="1"/>
           </p:cNvSpPr>
           <p:nvPr>
             <p:ph type="sldImg"/>
@@ -2637,7 +2645,6 @@
               <a:rPr lang="en-US" smtClean="0"/>
               <a:t>Click to edit Master title style</a:t>
             </a:r>
-            <a:endParaRPr lang="en-US" smtClean="0"/>
           </a:p>
         </p:txBody>
       </p:sp>
@@ -2734,7 +2741,6 @@
               <a:rPr lang="en-US" smtClean="0"/>
               <a:t>Fifth level</a:t>
             </a:r>
-            <a:endParaRPr lang="en-US" smtClean="0"/>
           </a:p>
         </p:txBody>
       </p:sp>
@@ -3554,11 +3560,7 @@
           <a:p>
             <a:r>
               <a:rPr lang="en-US" dirty="0" smtClean="0"/>
-              <a:t>II. </a:t>
-            </a:r>
-            <a:r>
-              <a:rPr lang="en-US" dirty="0" smtClean="0"/>
-              <a:t>E-learning system analysis</a:t>
+              <a:t>II. E-learning system analysis</a:t>
             </a:r>
             <a:br>
               <a:rPr lang="en-US" dirty="0" smtClean="0"/>
@@ -3582,6 +3584,37 @@
           <a:bodyPr/>
           <a:lstStyle/>
           <a:p>
+            <a:pPr marL="514350" indent="-514350">
+              <a:lnSpc>
+                <a:spcPct val="200000"/>
+              </a:lnSpc>
+              <a:buAutoNum type="arabicPeriod"/>
+            </a:pPr>
+            <a:r>
+              <a:rPr lang="en-US" dirty="0" smtClean="0"/>
+              <a:t>Architectural analysis</a:t>
+            </a:r>
+          </a:p>
+          <a:p>
+            <a:pPr marL="514350" indent="-514350">
+              <a:lnSpc>
+                <a:spcPct val="200000"/>
+              </a:lnSpc>
+              <a:buAutoNum type="arabicPeriod"/>
+            </a:pPr>
+            <a:r>
+              <a:rPr lang="en-US" dirty="0"/>
+              <a:t>Use case </a:t>
+            </a:r>
+            <a:r>
+              <a:rPr lang="en-US" dirty="0" smtClean="0"/>
+              <a:t>analysis</a:t>
+            </a:r>
+          </a:p>
+          <a:p>
+            <a:pPr marL="514350" indent="-514350">
+              <a:buAutoNum type="arabicPeriod"/>
+            </a:pPr>
             <a:endParaRPr lang="vi-VN" dirty="0"/>
           </a:p>
         </p:txBody>
@@ -3603,6 +3636,922 @@
       </p:par>
     </p:tnLst>
   </p:timing>
+</p:sld>
+</file>
+
+<file path=ppt/slides/slide13.xml><?xml version="1.0" encoding="utf-8"?>
+<p:sld xmlns:a="http://schemas.openxmlformats.org/drawingml/2006/main" xmlns:r="http://schemas.openxmlformats.org/officeDocument/2006/relationships" xmlns:p="http://schemas.openxmlformats.org/presentationml/2006/main">
+  <p:cSld>
+    <p:spTree>
+      <p:nvGrpSpPr>
+        <p:cNvPr id="1" name=""/>
+        <p:cNvGrpSpPr/>
+        <p:nvPr/>
+      </p:nvGrpSpPr>
+      <p:grpSpPr>
+        <a:xfrm>
+          <a:off x="0" y="0"/>
+          <a:ext cx="0" cy="0"/>
+          <a:chOff x="0" y="0"/>
+          <a:chExt cx="0" cy="0"/>
+        </a:xfrm>
+      </p:grpSpPr>
+      <p:sp>
+        <p:nvSpPr>
+          <p:cNvPr id="2" name="Title 1"/>
+          <p:cNvSpPr>
+            <a:spLocks noGrp="1"/>
+          </p:cNvSpPr>
+          <p:nvPr>
+            <p:ph type="title"/>
+          </p:nvPr>
+        </p:nvSpPr>
+        <p:spPr>
+          <a:xfrm>
+            <a:off x="179512" y="476672"/>
+            <a:ext cx="8610600" cy="715962"/>
+          </a:xfrm>
+        </p:spPr>
+        <p:txBody>
+          <a:bodyPr/>
+          <a:lstStyle/>
+          <a:p>
+            <a:r>
+              <a:rPr lang="en-US" dirty="0" smtClean="0"/>
+              <a:t>1.</a:t>
+            </a:r>
+            <a:r>
+              <a:rPr lang="en-US" dirty="0"/>
+              <a:t> Architectural analysis</a:t>
+            </a:r>
+            <a:br>
+              <a:rPr lang="en-US" dirty="0"/>
+            </a:br>
+            <a:endParaRPr lang="vi-VN" dirty="0"/>
+          </a:p>
+        </p:txBody>
+      </p:sp>
+      <p:sp>
+        <p:nvSpPr>
+          <p:cNvPr id="3" name="Content Placeholder 2"/>
+          <p:cNvSpPr>
+            <a:spLocks noGrp="1"/>
+          </p:cNvSpPr>
+          <p:nvPr>
+            <p:ph idx="1"/>
+          </p:nvPr>
+        </p:nvSpPr>
+        <p:spPr/>
+        <p:txBody>
+          <a:bodyPr/>
+          <a:lstStyle/>
+          <a:p>
+            <a:pPr marL="0" indent="0">
+              <a:lnSpc>
+                <a:spcPct val="150000"/>
+              </a:lnSpc>
+              <a:buNone/>
+            </a:pPr>
+            <a:r>
+              <a:rPr lang="en-US" dirty="0" smtClean="0"/>
+              <a:t>1.1. Key abstraction</a:t>
+            </a:r>
+          </a:p>
+          <a:p>
+            <a:pPr marL="0" indent="0">
+              <a:lnSpc>
+                <a:spcPct val="150000"/>
+              </a:lnSpc>
+              <a:buNone/>
+            </a:pPr>
+            <a:r>
+              <a:rPr lang="en-US" dirty="0" smtClean="0"/>
+              <a:t>1.2. Upper-Level </a:t>
+            </a:r>
+            <a:r>
+              <a:rPr lang="en-US" dirty="0"/>
+              <a:t>Components and their dependencies</a:t>
+            </a:r>
+            <a:endParaRPr lang="en-US" dirty="0" smtClean="0"/>
+          </a:p>
+          <a:p>
+            <a:pPr>
+              <a:lnSpc>
+                <a:spcPct val="150000"/>
+              </a:lnSpc>
+            </a:pPr>
+            <a:endParaRPr lang="vi-VN" dirty="0"/>
+          </a:p>
+        </p:txBody>
+      </p:sp>
+    </p:spTree>
+    <p:extLst>
+      <p:ext uri="{BB962C8B-B14F-4D97-AF65-F5344CB8AC3E}">
+        <p14:creationId xmlns:p14="http://schemas.microsoft.com/office/powerpoint/2010/main" val="3733001985"/>
+      </p:ext>
+    </p:extLst>
+  </p:cSld>
+  <p:clrMapOvr>
+    <a:masterClrMapping/>
+  </p:clrMapOvr>
+</p:sld>
+</file>
+
+<file path=ppt/slides/slide14.xml><?xml version="1.0" encoding="utf-8"?>
+<p:sld xmlns:a="http://schemas.openxmlformats.org/drawingml/2006/main" xmlns:r="http://schemas.openxmlformats.org/officeDocument/2006/relationships" xmlns:p="http://schemas.openxmlformats.org/presentationml/2006/main">
+  <p:cSld>
+    <p:spTree>
+      <p:nvGrpSpPr>
+        <p:cNvPr id="1" name=""/>
+        <p:cNvGrpSpPr/>
+        <p:nvPr/>
+      </p:nvGrpSpPr>
+      <p:grpSpPr>
+        <a:xfrm>
+          <a:off x="0" y="0"/>
+          <a:ext cx="0" cy="0"/>
+          <a:chOff x="0" y="0"/>
+          <a:chExt cx="0" cy="0"/>
+        </a:xfrm>
+      </p:grpSpPr>
+      <p:sp>
+        <p:nvSpPr>
+          <p:cNvPr id="2" name="Title 1"/>
+          <p:cNvSpPr>
+            <a:spLocks noGrp="1"/>
+          </p:cNvSpPr>
+          <p:nvPr>
+            <p:ph type="title"/>
+          </p:nvPr>
+        </p:nvSpPr>
+        <p:spPr/>
+        <p:txBody>
+          <a:bodyPr/>
+          <a:lstStyle/>
+          <a:p>
+            <a:r>
+              <a:rPr lang="en-US" dirty="0" smtClean="0"/>
+              <a:t>1.1. Key abstraction</a:t>
+            </a:r>
+            <a:endParaRPr lang="vi-VN" dirty="0"/>
+          </a:p>
+        </p:txBody>
+      </p:sp>
+      <p:pic>
+        <p:nvPicPr>
+          <p:cNvPr id="4" name="Content Placeholder 3"/>
+          <p:cNvPicPr>
+            <a:picLocks noGrp="1"/>
+          </p:cNvPicPr>
+          <p:nvPr>
+            <p:ph idx="1"/>
+          </p:nvPr>
+        </p:nvPicPr>
+        <p:blipFill>
+          <a:blip r:embed="rId2">
+            <a:extLst>
+              <a:ext uri="{28A0092B-C50C-407E-A947-70E740481C1C}">
+                <a14:useLocalDpi xmlns:a14="http://schemas.microsoft.com/office/drawing/2010/main" val="0"/>
+              </a:ext>
+            </a:extLst>
+          </a:blip>
+          <a:srcRect/>
+          <a:stretch>
+            <a:fillRect/>
+          </a:stretch>
+        </p:blipFill>
+        <p:spPr bwMode="auto">
+          <a:xfrm>
+            <a:off x="755576" y="1052736"/>
+            <a:ext cx="7776864" cy="4536504"/>
+          </a:xfrm>
+          <a:prstGeom prst="rect">
+            <a:avLst/>
+          </a:prstGeom>
+          <a:noFill/>
+          <a:ln>
+            <a:noFill/>
+          </a:ln>
+        </p:spPr>
+      </p:pic>
+    </p:spTree>
+    <p:extLst>
+      <p:ext uri="{BB962C8B-B14F-4D97-AF65-F5344CB8AC3E}">
+        <p14:creationId xmlns:p14="http://schemas.microsoft.com/office/powerpoint/2010/main" val="3373194736"/>
+      </p:ext>
+    </p:extLst>
+  </p:cSld>
+  <p:clrMapOvr>
+    <a:masterClrMapping/>
+  </p:clrMapOvr>
+</p:sld>
+</file>
+
+<file path=ppt/slides/slide15.xml><?xml version="1.0" encoding="utf-8"?>
+<p:sld xmlns:a="http://schemas.openxmlformats.org/drawingml/2006/main" xmlns:r="http://schemas.openxmlformats.org/officeDocument/2006/relationships" xmlns:p="http://schemas.openxmlformats.org/presentationml/2006/main">
+  <p:cSld>
+    <p:spTree>
+      <p:nvGrpSpPr>
+        <p:cNvPr id="1" name=""/>
+        <p:cNvGrpSpPr/>
+        <p:nvPr/>
+      </p:nvGrpSpPr>
+      <p:grpSpPr>
+        <a:xfrm>
+          <a:off x="0" y="0"/>
+          <a:ext cx="0" cy="0"/>
+          <a:chOff x="0" y="0"/>
+          <a:chExt cx="0" cy="0"/>
+        </a:xfrm>
+      </p:grpSpPr>
+      <p:sp>
+        <p:nvSpPr>
+          <p:cNvPr id="2" name="Title 1"/>
+          <p:cNvSpPr>
+            <a:spLocks noGrp="1"/>
+          </p:cNvSpPr>
+          <p:nvPr>
+            <p:ph type="title"/>
+          </p:nvPr>
+        </p:nvSpPr>
+        <p:spPr>
+          <a:xfrm>
+            <a:off x="179512" y="476672"/>
+            <a:ext cx="8610600" cy="715962"/>
+          </a:xfrm>
+        </p:spPr>
+        <p:txBody>
+          <a:bodyPr/>
+          <a:lstStyle/>
+          <a:p>
+            <a:r>
+              <a:rPr lang="en-US" sz="3600" dirty="0" smtClean="0"/>
+              <a:t>1.2. </a:t>
+            </a:r>
+            <a:r>
+              <a:rPr lang="en-US" sz="3600" dirty="0"/>
+              <a:t>Upper-Level Components and their dependencies</a:t>
+            </a:r>
+            <a:endParaRPr lang="vi-VN" sz="3600" dirty="0"/>
+          </a:p>
+        </p:txBody>
+      </p:sp>
+      <p:pic>
+        <p:nvPicPr>
+          <p:cNvPr id="5" name="Content Placeholder 4"/>
+          <p:cNvPicPr>
+            <a:picLocks noGrp="1"/>
+          </p:cNvPicPr>
+          <p:nvPr>
+            <p:ph idx="1"/>
+          </p:nvPr>
+        </p:nvPicPr>
+        <p:blipFill>
+          <a:blip r:embed="rId2">
+            <a:extLst>
+              <a:ext uri="{28A0092B-C50C-407E-A947-70E740481C1C}">
+                <a14:useLocalDpi xmlns:a14="http://schemas.microsoft.com/office/drawing/2010/main" val="0"/>
+              </a:ext>
+            </a:extLst>
+          </a:blip>
+          <a:srcRect/>
+          <a:stretch>
+            <a:fillRect/>
+          </a:stretch>
+        </p:blipFill>
+        <p:spPr bwMode="auto">
+          <a:xfrm>
+            <a:off x="827584" y="1700808"/>
+            <a:ext cx="7560840" cy="4320480"/>
+          </a:xfrm>
+          <a:prstGeom prst="rect">
+            <a:avLst/>
+          </a:prstGeom>
+          <a:noFill/>
+          <a:ln>
+            <a:noFill/>
+          </a:ln>
+        </p:spPr>
+      </p:pic>
+    </p:spTree>
+    <p:extLst>
+      <p:ext uri="{BB962C8B-B14F-4D97-AF65-F5344CB8AC3E}">
+        <p14:creationId xmlns:p14="http://schemas.microsoft.com/office/powerpoint/2010/main" val="4265352250"/>
+      </p:ext>
+    </p:extLst>
+  </p:cSld>
+  <p:clrMapOvr>
+    <a:masterClrMapping/>
+  </p:clrMapOvr>
+</p:sld>
+</file>
+
+<file path=ppt/slides/slide16.xml><?xml version="1.0" encoding="utf-8"?>
+<p:sld xmlns:a="http://schemas.openxmlformats.org/drawingml/2006/main" xmlns:r="http://schemas.openxmlformats.org/officeDocument/2006/relationships" xmlns:p="http://schemas.openxmlformats.org/presentationml/2006/main">
+  <p:cSld>
+    <p:spTree>
+      <p:nvGrpSpPr>
+        <p:cNvPr id="1" name=""/>
+        <p:cNvGrpSpPr/>
+        <p:nvPr/>
+      </p:nvGrpSpPr>
+      <p:grpSpPr>
+        <a:xfrm>
+          <a:off x="0" y="0"/>
+          <a:ext cx="0" cy="0"/>
+          <a:chOff x="0" y="0"/>
+          <a:chExt cx="0" cy="0"/>
+        </a:xfrm>
+      </p:grpSpPr>
+      <p:sp>
+        <p:nvSpPr>
+          <p:cNvPr id="2" name="Title 1"/>
+          <p:cNvSpPr>
+            <a:spLocks noGrp="1"/>
+          </p:cNvSpPr>
+          <p:nvPr>
+            <p:ph type="title"/>
+          </p:nvPr>
+        </p:nvSpPr>
+        <p:spPr>
+          <a:xfrm>
+            <a:off x="179512" y="404664"/>
+            <a:ext cx="8610600" cy="715962"/>
+          </a:xfrm>
+        </p:spPr>
+        <p:txBody>
+          <a:bodyPr/>
+          <a:lstStyle/>
+          <a:p>
+            <a:r>
+              <a:rPr lang="en-US" dirty="0" smtClean="0"/>
+              <a:t>2. Use-case analysis</a:t>
+            </a:r>
+            <a:endParaRPr lang="vi-VN" dirty="0"/>
+          </a:p>
+        </p:txBody>
+      </p:sp>
+      <p:sp>
+        <p:nvSpPr>
+          <p:cNvPr id="3" name="Content Placeholder 2"/>
+          <p:cNvSpPr>
+            <a:spLocks noGrp="1"/>
+          </p:cNvSpPr>
+          <p:nvPr>
+            <p:ph idx="1"/>
+          </p:nvPr>
+        </p:nvSpPr>
+        <p:spPr/>
+        <p:txBody>
+          <a:bodyPr/>
+          <a:lstStyle/>
+          <a:p>
+            <a:r>
+              <a:rPr lang="en-US" dirty="0" smtClean="0"/>
+              <a:t>2.1. </a:t>
+            </a:r>
+            <a:r>
+              <a:rPr lang="en-US" dirty="0"/>
+              <a:t>Use case realization interaction </a:t>
+            </a:r>
+            <a:r>
+              <a:rPr lang="en-US" dirty="0" smtClean="0"/>
+              <a:t>diagram</a:t>
+            </a:r>
+          </a:p>
+          <a:p>
+            <a:r>
+              <a:rPr lang="en-US" dirty="0" smtClean="0"/>
+              <a:t>2.2. </a:t>
+            </a:r>
+            <a:r>
+              <a:rPr lang="en-US" dirty="0"/>
+              <a:t>Use case realization view of participating classes (VOPCs)</a:t>
+            </a:r>
+            <a:endParaRPr lang="vi-VN" dirty="0"/>
+          </a:p>
+        </p:txBody>
+      </p:sp>
+    </p:spTree>
+    <p:extLst>
+      <p:ext uri="{BB962C8B-B14F-4D97-AF65-F5344CB8AC3E}">
+        <p14:creationId xmlns:p14="http://schemas.microsoft.com/office/powerpoint/2010/main" val="1929494959"/>
+      </p:ext>
+    </p:extLst>
+  </p:cSld>
+  <p:clrMapOvr>
+    <a:masterClrMapping/>
+  </p:clrMapOvr>
+</p:sld>
+</file>
+
+<file path=ppt/slides/slide17.xml><?xml version="1.0" encoding="utf-8"?>
+<p:sld xmlns:a="http://schemas.openxmlformats.org/drawingml/2006/main" xmlns:r="http://schemas.openxmlformats.org/officeDocument/2006/relationships" xmlns:p="http://schemas.openxmlformats.org/presentationml/2006/main">
+  <p:cSld>
+    <p:spTree>
+      <p:nvGrpSpPr>
+        <p:cNvPr id="1" name=""/>
+        <p:cNvGrpSpPr/>
+        <p:nvPr/>
+      </p:nvGrpSpPr>
+      <p:grpSpPr>
+        <a:xfrm>
+          <a:off x="0" y="0"/>
+          <a:ext cx="0" cy="0"/>
+          <a:chOff x="0" y="0"/>
+          <a:chExt cx="0" cy="0"/>
+        </a:xfrm>
+      </p:grpSpPr>
+      <p:sp>
+        <p:nvSpPr>
+          <p:cNvPr id="2" name="Title 1"/>
+          <p:cNvSpPr>
+            <a:spLocks noGrp="1"/>
+          </p:cNvSpPr>
+          <p:nvPr>
+            <p:ph type="title"/>
+          </p:nvPr>
+        </p:nvSpPr>
+        <p:spPr>
+          <a:xfrm>
+            <a:off x="28575" y="548680"/>
+            <a:ext cx="8610600" cy="715962"/>
+          </a:xfrm>
+        </p:spPr>
+        <p:txBody>
+          <a:bodyPr/>
+          <a:lstStyle/>
+          <a:p>
+            <a:r>
+              <a:rPr lang="en-US" sz="3600" dirty="0"/>
+              <a:t>2.1. Use case realization interaction diagram</a:t>
+            </a:r>
+            <a:br>
+              <a:rPr lang="en-US" sz="3600" dirty="0"/>
+            </a:br>
+            <a:endParaRPr lang="vi-VN" sz="3600" dirty="0"/>
+          </a:p>
+        </p:txBody>
+      </p:sp>
+      <p:sp>
+        <p:nvSpPr>
+          <p:cNvPr id="3" name="Content Placeholder 2"/>
+          <p:cNvSpPr>
+            <a:spLocks noGrp="1"/>
+          </p:cNvSpPr>
+          <p:nvPr>
+            <p:ph idx="1"/>
+          </p:nvPr>
+        </p:nvSpPr>
+        <p:spPr>
+          <a:xfrm>
+            <a:off x="0" y="1905000"/>
+            <a:ext cx="9108504" cy="4620344"/>
+          </a:xfrm>
+        </p:spPr>
+        <p:txBody>
+          <a:bodyPr/>
+          <a:lstStyle/>
+          <a:p>
+            <a:pPr marL="0" indent="0">
+              <a:lnSpc>
+                <a:spcPct val="150000"/>
+              </a:lnSpc>
+              <a:buNone/>
+            </a:pPr>
+            <a:r>
+              <a:rPr lang="en-US" sz="1800" dirty="0" smtClean="0"/>
+              <a:t>2.1.1 Log in				2.1.8 Course feedback</a:t>
+            </a:r>
+          </a:p>
+          <a:p>
+            <a:pPr marL="0" indent="0">
+              <a:lnSpc>
+                <a:spcPct val="150000"/>
+              </a:lnSpc>
+              <a:buNone/>
+            </a:pPr>
+            <a:r>
+              <a:rPr lang="en-US" sz="1800" dirty="0" smtClean="0"/>
+              <a:t>2.1.2  Change profile 			2.1.9 Course creating</a:t>
+            </a:r>
+          </a:p>
+          <a:p>
+            <a:pPr marL="0" indent="0">
+              <a:lnSpc>
+                <a:spcPct val="150000"/>
+              </a:lnSpc>
+              <a:buNone/>
+            </a:pPr>
+            <a:r>
+              <a:rPr lang="en-US" sz="1800" dirty="0" smtClean="0"/>
+              <a:t>2.1.3 Course searching			2.1.10 Homework grading</a:t>
+            </a:r>
+          </a:p>
+          <a:p>
+            <a:pPr marL="0" indent="0">
+              <a:lnSpc>
+                <a:spcPct val="150000"/>
+              </a:lnSpc>
+              <a:buNone/>
+            </a:pPr>
+            <a:r>
+              <a:rPr lang="en-US" sz="1800" dirty="0" smtClean="0"/>
+              <a:t>2.1.4 Course enrolling			2.1.11 Register</a:t>
+            </a:r>
+          </a:p>
+          <a:p>
+            <a:pPr marL="0" indent="0">
+              <a:lnSpc>
+                <a:spcPct val="150000"/>
+              </a:lnSpc>
+              <a:buNone/>
+            </a:pPr>
+            <a:r>
+              <a:rPr lang="en-US" sz="1800" dirty="0" smtClean="0"/>
+              <a:t>2.1.5 Homework uploading			2.1.12 Register confirming</a:t>
+            </a:r>
+          </a:p>
+          <a:p>
+            <a:pPr marL="0" indent="0">
+              <a:lnSpc>
+                <a:spcPct val="150000"/>
+              </a:lnSpc>
+              <a:buNone/>
+            </a:pPr>
+            <a:r>
+              <a:rPr lang="en-US" sz="1800" dirty="0" smtClean="0"/>
+              <a:t>2.1.6 Tutorial uploading			2.1.13 User management</a:t>
+            </a:r>
+          </a:p>
+          <a:p>
+            <a:pPr marL="0" indent="0">
+              <a:lnSpc>
+                <a:spcPct val="150000"/>
+              </a:lnSpc>
+              <a:buNone/>
+            </a:pPr>
+            <a:r>
+              <a:rPr lang="en-US" sz="1800" dirty="0" smtClean="0"/>
+              <a:t>2.1.7 Student certificate confirming		2.1.14 Course management</a:t>
+            </a:r>
+            <a:endParaRPr lang="vi-VN" sz="1800" dirty="0"/>
+          </a:p>
+        </p:txBody>
+      </p:sp>
+    </p:spTree>
+    <p:extLst>
+      <p:ext uri="{BB962C8B-B14F-4D97-AF65-F5344CB8AC3E}">
+        <p14:creationId xmlns:p14="http://schemas.microsoft.com/office/powerpoint/2010/main" val="149973466"/>
+      </p:ext>
+    </p:extLst>
+  </p:cSld>
+  <p:clrMapOvr>
+    <a:masterClrMapping/>
+  </p:clrMapOvr>
+</p:sld>
+</file>
+
+<file path=ppt/slides/slide18.xml><?xml version="1.0" encoding="utf-8"?>
+<p:sld xmlns:a="http://schemas.openxmlformats.org/drawingml/2006/main" xmlns:r="http://schemas.openxmlformats.org/officeDocument/2006/relationships" xmlns:p="http://schemas.openxmlformats.org/presentationml/2006/main">
+  <p:cSld>
+    <p:spTree>
+      <p:nvGrpSpPr>
+        <p:cNvPr id="1" name=""/>
+        <p:cNvGrpSpPr/>
+        <p:nvPr/>
+      </p:nvGrpSpPr>
+      <p:grpSpPr>
+        <a:xfrm>
+          <a:off x="0" y="0"/>
+          <a:ext cx="0" cy="0"/>
+          <a:chOff x="0" y="0"/>
+          <a:chExt cx="0" cy="0"/>
+        </a:xfrm>
+      </p:grpSpPr>
+      <p:sp>
+        <p:nvSpPr>
+          <p:cNvPr id="2" name="Title 1"/>
+          <p:cNvSpPr>
+            <a:spLocks noGrp="1"/>
+          </p:cNvSpPr>
+          <p:nvPr>
+            <p:ph type="title"/>
+          </p:nvPr>
+        </p:nvSpPr>
+        <p:spPr/>
+        <p:txBody>
+          <a:bodyPr/>
+          <a:lstStyle/>
+          <a:p>
+            <a:r>
+              <a:rPr lang="en-US" dirty="0" smtClean="0"/>
+              <a:t>2.1.2 Change profile</a:t>
+            </a:r>
+            <a:endParaRPr lang="vi-VN" dirty="0"/>
+          </a:p>
+        </p:txBody>
+      </p:sp>
+      <p:pic>
+        <p:nvPicPr>
+          <p:cNvPr id="6" name="Content Placeholder 5"/>
+          <p:cNvPicPr>
+            <a:picLocks noGrp="1"/>
+          </p:cNvPicPr>
+          <p:nvPr>
+            <p:ph idx="1"/>
+          </p:nvPr>
+        </p:nvPicPr>
+        <p:blipFill>
+          <a:blip r:embed="rId2" cstate="print">
+            <a:extLst>
+              <a:ext uri="{28A0092B-C50C-407E-A947-70E740481C1C}">
+                <a14:useLocalDpi xmlns:a14="http://schemas.microsoft.com/office/drawing/2010/main" val="0"/>
+              </a:ext>
+            </a:extLst>
+          </a:blip>
+          <a:stretch>
+            <a:fillRect/>
+          </a:stretch>
+        </p:blipFill>
+        <p:spPr>
+          <a:xfrm>
+            <a:off x="467544" y="1268760"/>
+            <a:ext cx="8352928" cy="4680520"/>
+          </a:xfrm>
+          <a:prstGeom prst="rect">
+            <a:avLst/>
+          </a:prstGeom>
+        </p:spPr>
+      </p:pic>
+    </p:spTree>
+    <p:extLst>
+      <p:ext uri="{BB962C8B-B14F-4D97-AF65-F5344CB8AC3E}">
+        <p14:creationId xmlns:p14="http://schemas.microsoft.com/office/powerpoint/2010/main" val="455219151"/>
+      </p:ext>
+    </p:extLst>
+  </p:cSld>
+  <p:clrMapOvr>
+    <a:masterClrMapping/>
+  </p:clrMapOvr>
+</p:sld>
+</file>
+
+<file path=ppt/slides/slide19.xml><?xml version="1.0" encoding="utf-8"?>
+<p:sld xmlns:a="http://schemas.openxmlformats.org/drawingml/2006/main" xmlns:r="http://schemas.openxmlformats.org/officeDocument/2006/relationships" xmlns:p="http://schemas.openxmlformats.org/presentationml/2006/main">
+  <p:cSld>
+    <p:spTree>
+      <p:nvGrpSpPr>
+        <p:cNvPr id="1" name=""/>
+        <p:cNvGrpSpPr/>
+        <p:nvPr/>
+      </p:nvGrpSpPr>
+      <p:grpSpPr>
+        <a:xfrm>
+          <a:off x="0" y="0"/>
+          <a:ext cx="0" cy="0"/>
+          <a:chOff x="0" y="0"/>
+          <a:chExt cx="0" cy="0"/>
+        </a:xfrm>
+      </p:grpSpPr>
+      <p:sp>
+        <p:nvSpPr>
+          <p:cNvPr id="2" name="Title 1"/>
+          <p:cNvSpPr>
+            <a:spLocks noGrp="1"/>
+          </p:cNvSpPr>
+          <p:nvPr>
+            <p:ph type="title"/>
+          </p:nvPr>
+        </p:nvSpPr>
+        <p:spPr>
+          <a:xfrm>
+            <a:off x="179512" y="620688"/>
+            <a:ext cx="8610600" cy="715962"/>
+          </a:xfrm>
+        </p:spPr>
+        <p:txBody>
+          <a:bodyPr/>
+          <a:lstStyle/>
+          <a:p>
+            <a:r>
+              <a:rPr lang="en-US" sz="3600" dirty="0"/>
+              <a:t>2.2. Use case realization view of participating classes (VOPCs)</a:t>
+            </a:r>
+            <a:r>
+              <a:rPr lang="vi-VN" sz="3600" dirty="0"/>
+              <a:t/>
+            </a:r>
+            <a:br>
+              <a:rPr lang="vi-VN" sz="3600" dirty="0"/>
+            </a:br>
+            <a:endParaRPr lang="vi-VN" sz="3600" dirty="0"/>
+          </a:p>
+        </p:txBody>
+      </p:sp>
+      <p:sp>
+        <p:nvSpPr>
+          <p:cNvPr id="3" name="Content Placeholder 2"/>
+          <p:cNvSpPr>
+            <a:spLocks noGrp="1"/>
+          </p:cNvSpPr>
+          <p:nvPr>
+            <p:ph idx="1"/>
+          </p:nvPr>
+        </p:nvSpPr>
+        <p:spPr>
+          <a:xfrm>
+            <a:off x="0" y="1905000"/>
+            <a:ext cx="9036496" cy="4548336"/>
+          </a:xfrm>
+        </p:spPr>
+        <p:txBody>
+          <a:bodyPr/>
+          <a:lstStyle/>
+          <a:p>
+            <a:pPr marL="0" indent="0">
+              <a:lnSpc>
+                <a:spcPct val="150000"/>
+              </a:lnSpc>
+              <a:buNone/>
+            </a:pPr>
+            <a:r>
+              <a:rPr lang="en-US" sz="1800" dirty="0" smtClean="0"/>
+              <a:t>2.2.1 </a:t>
+            </a:r>
+            <a:r>
+              <a:rPr lang="en-US" sz="1800" dirty="0"/>
+              <a:t>Log in				</a:t>
+            </a:r>
+            <a:r>
+              <a:rPr lang="en-US" sz="1800" dirty="0" smtClean="0"/>
+              <a:t>2.2.8 </a:t>
+            </a:r>
+            <a:r>
+              <a:rPr lang="en-US" sz="1800" dirty="0"/>
+              <a:t>Course feedback</a:t>
+            </a:r>
+          </a:p>
+          <a:p>
+            <a:pPr marL="0" indent="0">
+              <a:lnSpc>
+                <a:spcPct val="150000"/>
+              </a:lnSpc>
+              <a:buNone/>
+            </a:pPr>
+            <a:r>
+              <a:rPr lang="en-US" sz="1800" dirty="0" smtClean="0"/>
+              <a:t>2.2.2  </a:t>
+            </a:r>
+            <a:r>
+              <a:rPr lang="en-US" sz="1800" dirty="0"/>
+              <a:t>Change profile 			</a:t>
+            </a:r>
+            <a:r>
+              <a:rPr lang="en-US" sz="1800" dirty="0" smtClean="0"/>
+              <a:t>2.2.9 </a:t>
+            </a:r>
+            <a:r>
+              <a:rPr lang="en-US" sz="1800" dirty="0"/>
+              <a:t>Course creating</a:t>
+            </a:r>
+          </a:p>
+          <a:p>
+            <a:pPr marL="0" indent="0">
+              <a:lnSpc>
+                <a:spcPct val="150000"/>
+              </a:lnSpc>
+              <a:buNone/>
+            </a:pPr>
+            <a:r>
+              <a:rPr lang="en-US" sz="1800" dirty="0" smtClean="0"/>
+              <a:t>2.2.3 </a:t>
+            </a:r>
+            <a:r>
+              <a:rPr lang="en-US" sz="1800" dirty="0"/>
+              <a:t>Course searching			</a:t>
+            </a:r>
+            <a:r>
+              <a:rPr lang="en-US" sz="1800" dirty="0" smtClean="0"/>
+              <a:t>2.2.10 </a:t>
+            </a:r>
+            <a:r>
+              <a:rPr lang="en-US" sz="1800" dirty="0"/>
+              <a:t>Homework grading</a:t>
+            </a:r>
+          </a:p>
+          <a:p>
+            <a:pPr marL="0" indent="0">
+              <a:lnSpc>
+                <a:spcPct val="150000"/>
+              </a:lnSpc>
+              <a:buNone/>
+            </a:pPr>
+            <a:r>
+              <a:rPr lang="en-US" sz="1800" dirty="0" smtClean="0"/>
+              <a:t>2.2.4 </a:t>
+            </a:r>
+            <a:r>
+              <a:rPr lang="en-US" sz="1800" dirty="0"/>
+              <a:t>Course enrolling			</a:t>
+            </a:r>
+            <a:r>
+              <a:rPr lang="en-US" sz="1800" dirty="0" smtClean="0"/>
+              <a:t>2.2.11 </a:t>
+            </a:r>
+            <a:r>
+              <a:rPr lang="en-US" sz="1800" dirty="0"/>
+              <a:t>Register</a:t>
+            </a:r>
+          </a:p>
+          <a:p>
+            <a:pPr marL="0" indent="0">
+              <a:lnSpc>
+                <a:spcPct val="150000"/>
+              </a:lnSpc>
+              <a:buNone/>
+            </a:pPr>
+            <a:r>
+              <a:rPr lang="en-US" sz="1800" dirty="0" smtClean="0"/>
+              <a:t>2.2.5 </a:t>
+            </a:r>
+            <a:r>
+              <a:rPr lang="en-US" sz="1800" dirty="0"/>
+              <a:t>Homework uploading			</a:t>
+            </a:r>
+            <a:r>
+              <a:rPr lang="en-US" sz="1800" dirty="0" smtClean="0"/>
+              <a:t>2.2.12 </a:t>
+            </a:r>
+            <a:r>
+              <a:rPr lang="en-US" sz="1800" dirty="0"/>
+              <a:t>Register confirming</a:t>
+            </a:r>
+          </a:p>
+          <a:p>
+            <a:pPr marL="0" indent="0">
+              <a:lnSpc>
+                <a:spcPct val="150000"/>
+              </a:lnSpc>
+              <a:buNone/>
+            </a:pPr>
+            <a:r>
+              <a:rPr lang="en-US" sz="1800" dirty="0" smtClean="0"/>
+              <a:t>2.2.6 </a:t>
+            </a:r>
+            <a:r>
+              <a:rPr lang="en-US" sz="1800" dirty="0"/>
+              <a:t>Tutorial uploading			</a:t>
+            </a:r>
+            <a:r>
+              <a:rPr lang="en-US" sz="1800" dirty="0" smtClean="0"/>
+              <a:t>2.2.13 </a:t>
+            </a:r>
+            <a:r>
+              <a:rPr lang="en-US" sz="1800" dirty="0"/>
+              <a:t>User management</a:t>
+            </a:r>
+          </a:p>
+          <a:p>
+            <a:pPr marL="0" indent="0">
+              <a:lnSpc>
+                <a:spcPct val="150000"/>
+              </a:lnSpc>
+              <a:buNone/>
+            </a:pPr>
+            <a:r>
+              <a:rPr lang="en-US" sz="1800" dirty="0" smtClean="0"/>
+              <a:t>2.2.7 </a:t>
+            </a:r>
+            <a:r>
+              <a:rPr lang="en-US" sz="1800" dirty="0"/>
+              <a:t>Student certificate confirming		</a:t>
+            </a:r>
+            <a:r>
+              <a:rPr lang="en-US" sz="1800" dirty="0" smtClean="0"/>
+              <a:t>2.2.14 </a:t>
+            </a:r>
+            <a:r>
+              <a:rPr lang="en-US" sz="1800" dirty="0"/>
+              <a:t>Course management</a:t>
+            </a:r>
+            <a:endParaRPr lang="vi-VN" sz="1800" dirty="0"/>
+          </a:p>
+          <a:p>
+            <a:endParaRPr lang="vi-VN" sz="1800" dirty="0"/>
+          </a:p>
+        </p:txBody>
+      </p:sp>
+    </p:spTree>
+    <p:extLst>
+      <p:ext uri="{BB962C8B-B14F-4D97-AF65-F5344CB8AC3E}">
+        <p14:creationId xmlns:p14="http://schemas.microsoft.com/office/powerpoint/2010/main" val="3921503376"/>
+      </p:ext>
+    </p:extLst>
+  </p:cSld>
+  <p:clrMapOvr>
+    <a:masterClrMapping/>
+  </p:clrMapOvr>
 </p:sld>
 </file>
 
@@ -3773,6 +4722,96 @@
       </p:par>
     </p:tnLst>
   </p:timing>
+</p:sld>
+</file>
+
+<file path=ppt/slides/slide20.xml><?xml version="1.0" encoding="utf-8"?>
+<p:sld xmlns:a="http://schemas.openxmlformats.org/drawingml/2006/main" xmlns:r="http://schemas.openxmlformats.org/officeDocument/2006/relationships" xmlns:p="http://schemas.openxmlformats.org/presentationml/2006/main">
+  <p:cSld>
+    <p:spTree>
+      <p:nvGrpSpPr>
+        <p:cNvPr id="1" name=""/>
+        <p:cNvGrpSpPr/>
+        <p:nvPr/>
+      </p:nvGrpSpPr>
+      <p:grpSpPr>
+        <a:xfrm>
+          <a:off x="0" y="0"/>
+          <a:ext cx="0" cy="0"/>
+          <a:chOff x="0" y="0"/>
+          <a:chExt cx="0" cy="0"/>
+        </a:xfrm>
+      </p:grpSpPr>
+      <p:sp>
+        <p:nvSpPr>
+          <p:cNvPr id="2" name="Title 1"/>
+          <p:cNvSpPr>
+            <a:spLocks noGrp="1"/>
+          </p:cNvSpPr>
+          <p:nvPr>
+            <p:ph type="title"/>
+          </p:nvPr>
+        </p:nvSpPr>
+        <p:spPr/>
+        <p:txBody>
+          <a:bodyPr/>
+          <a:lstStyle/>
+          <a:p>
+            <a:r>
+              <a:rPr lang="en-US" dirty="0" smtClean="0"/>
+              <a:t>2.2.1 Change profile</a:t>
+            </a:r>
+            <a:endParaRPr lang="vi-VN" dirty="0"/>
+          </a:p>
+        </p:txBody>
+      </p:sp>
+      <p:pic>
+        <p:nvPicPr>
+          <p:cNvPr id="4" name="Content Placeholder 3"/>
+          <p:cNvPicPr>
+            <a:picLocks noGrp="1"/>
+          </p:cNvPicPr>
+          <p:nvPr>
+            <p:ph idx="1"/>
+          </p:nvPr>
+        </p:nvPicPr>
+        <p:blipFill>
+          <a:blip r:embed="rId2">
+            <a:extLst>
+              <a:ext uri="{28A0092B-C50C-407E-A947-70E740481C1C}">
+                <a14:useLocalDpi xmlns:a14="http://schemas.microsoft.com/office/drawing/2010/main" val="0"/>
+              </a:ext>
+            </a:extLst>
+          </a:blip>
+          <a:srcRect/>
+          <a:stretch>
+            <a:fillRect/>
+          </a:stretch>
+        </p:blipFill>
+        <p:spPr bwMode="auto">
+          <a:xfrm>
+            <a:off x="251520" y="1124744"/>
+            <a:ext cx="8568951" cy="5184576"/>
+          </a:xfrm>
+          <a:prstGeom prst="rect">
+            <a:avLst/>
+          </a:prstGeom>
+          <a:noFill/>
+          <a:ln>
+            <a:noFill/>
+          </a:ln>
+        </p:spPr>
+      </p:pic>
+    </p:spTree>
+    <p:extLst>
+      <p:ext uri="{BB962C8B-B14F-4D97-AF65-F5344CB8AC3E}">
+        <p14:creationId xmlns:p14="http://schemas.microsoft.com/office/powerpoint/2010/main" val="4058283111"/>
+      </p:ext>
+    </p:extLst>
+  </p:cSld>
+  <p:clrMapOvr>
+    <a:masterClrMapping/>
+  </p:clrMapOvr>
 </p:sld>
 </file>
 
@@ -4296,11 +5335,7 @@
           <a:p>
             <a:r>
               <a:rPr lang="en-US" dirty="0" smtClean="0"/>
-              <a:t>4. </a:t>
-            </a:r>
-            <a:r>
-              <a:rPr lang="en-US" dirty="0" smtClean="0"/>
-              <a:t>Use-case model</a:t>
+              <a:t>4. Use-case model</a:t>
             </a:r>
             <a:br>
               <a:rPr lang="en-US" dirty="0" smtClean="0"/>
@@ -4400,11 +5435,7 @@
           <a:p>
             <a:r>
               <a:rPr lang="en-US" dirty="0" smtClean="0"/>
-              <a:t>4.</a:t>
-            </a:r>
-            <a:r>
-              <a:rPr lang="en-US" dirty="0" smtClean="0"/>
-              <a:t> Use-case model</a:t>
+              <a:t>4. Use-case model</a:t>
             </a:r>
             <a:endParaRPr lang="vi-VN" dirty="0"/>
           </a:p>
